--- a/lessons/4_transform/ppt/变换（二维与三维）.pptx
+++ b/lessons/4_transform/ppt/变换（二维与三维）.pptx
@@ -6923,42 +6923,6 @@
       </p:sp>
       <p:pic>
         <p:nvPicPr>
-          <p:cNvPr id="5" name="图片 4">
-            <a:extLst>
-              <a:ext uri="{FF2B5EF4-FFF2-40B4-BE49-F238E27FC236}">
-                <a16:creationId xmlns:a16="http://schemas.microsoft.com/office/drawing/2014/main" id="{392FCDD9-5677-61D9-2383-B17C42EAFD77}"/>
-              </a:ext>
-            </a:extLst>
-          </p:cNvPr>
-          <p:cNvPicPr>
-            <a:picLocks noChangeAspect="1"/>
-          </p:cNvPicPr>
-          <p:nvPr/>
-        </p:nvPicPr>
-        <p:blipFill>
-          <a:blip r:embed="rId3">
-            <a:extLst>
-              <a:ext uri="{28A0092B-C50C-407E-A947-70E740481C1C}">
-                <a14:useLocalDpi xmlns:a14="http://schemas.microsoft.com/office/drawing/2010/main" val="0"/>
-              </a:ext>
-            </a:extLst>
-          </a:blip>
-          <a:stretch>
-            <a:fillRect/>
-          </a:stretch>
-        </p:blipFill>
-        <p:spPr>
-          <a:xfrm>
-            <a:off x="3630037" y="5150199"/>
-            <a:ext cx="3263900" cy="1104900"/>
-          </a:xfrm>
-          <a:prstGeom prst="rect">
-            <a:avLst/>
-          </a:prstGeom>
-        </p:spPr>
-      </p:pic>
-      <p:pic>
-        <p:nvPicPr>
           <p:cNvPr id="7" name="图片 6">
             <a:extLst>
               <a:ext uri="{FF2B5EF4-FFF2-40B4-BE49-F238E27FC236}">
@@ -6972,7 +6936,7 @@
           <p:nvPr/>
         </p:nvPicPr>
         <p:blipFill>
-          <a:blip r:embed="rId4">
+          <a:blip r:embed="rId3">
             <a:extLst>
               <a:ext uri="{28A0092B-C50C-407E-A947-70E740481C1C}">
                 <a14:useLocalDpi xmlns:a14="http://schemas.microsoft.com/office/drawing/2010/main" val="0"/>
@@ -7008,7 +6972,7 @@
           <p:nvPr/>
         </p:nvPicPr>
         <p:blipFill>
-          <a:blip r:embed="rId5">
+          <a:blip r:embed="rId4">
             <a:extLst>
               <a:ext uri="{28A0092B-C50C-407E-A947-70E740481C1C}">
                 <a14:useLocalDpi xmlns:a14="http://schemas.microsoft.com/office/drawing/2010/main" val="0"/>
@@ -7023,6 +6987,42 @@
           <a:xfrm>
             <a:off x="7663345" y="4032251"/>
             <a:ext cx="1689100" cy="914400"/>
+          </a:xfrm>
+          <a:prstGeom prst="rect">
+            <a:avLst/>
+          </a:prstGeom>
+        </p:spPr>
+      </p:pic>
+      <p:pic>
+        <p:nvPicPr>
+          <p:cNvPr id="6" name="图片 5">
+            <a:extLst>
+              <a:ext uri="{FF2B5EF4-FFF2-40B4-BE49-F238E27FC236}">
+                <a16:creationId xmlns:a16="http://schemas.microsoft.com/office/drawing/2014/main" id="{E6857259-C922-2C64-CBAE-9CE628F16F57}"/>
+              </a:ext>
+            </a:extLst>
+          </p:cNvPr>
+          <p:cNvPicPr>
+            <a:picLocks noChangeAspect="1"/>
+          </p:cNvPicPr>
+          <p:nvPr/>
+        </p:nvPicPr>
+        <p:blipFill>
+          <a:blip r:embed="rId5">
+            <a:extLst>
+              <a:ext uri="{28A0092B-C50C-407E-A947-70E740481C1C}">
+                <a14:useLocalDpi xmlns:a14="http://schemas.microsoft.com/office/drawing/2010/main" val="0"/>
+              </a:ext>
+            </a:extLst>
+          </a:blip>
+          <a:stretch>
+            <a:fillRect/>
+          </a:stretch>
+        </p:blipFill>
+        <p:spPr>
+          <a:xfrm>
+            <a:off x="3630037" y="4426996"/>
+            <a:ext cx="2324100" cy="863600"/>
           </a:xfrm>
           <a:prstGeom prst="rect">
             <a:avLst/>
@@ -7264,7 +7264,7 @@
                                           </p:stCondLst>
                                         </p:cTn>
                                         <p:tgtEl>
-                                          <p:spTgt spid="5"/>
+                                          <p:spTgt spid="6"/>
                                         </p:tgtEl>
                                         <p:attrNameLst>
                                           <p:attrName>style.visibility</p:attrName>
@@ -8586,10 +8586,10 @@
       </p:sp>
       <p:pic>
         <p:nvPicPr>
-          <p:cNvPr id="11" name="图片 10">
+          <p:cNvPr id="5" name="图片 4">
             <a:extLst>
               <a:ext uri="{FF2B5EF4-FFF2-40B4-BE49-F238E27FC236}">
-                <a16:creationId xmlns:a16="http://schemas.microsoft.com/office/drawing/2014/main" id="{3D3BAB7F-DAFD-2DA4-75A7-0082C8B255B9}"/>
+                <a16:creationId xmlns:a16="http://schemas.microsoft.com/office/drawing/2014/main" id="{6BD5BC34-9DB7-C48E-D54F-AE2A3E46039F}"/>
               </a:ext>
             </a:extLst>
           </p:cNvPr>
@@ -8612,8 +8612,8 @@
         </p:blipFill>
         <p:spPr>
           <a:xfrm>
-            <a:off x="4796691" y="2414998"/>
-            <a:ext cx="5130800" cy="1498600"/>
+            <a:off x="4416011" y="2191578"/>
+            <a:ext cx="4102100" cy="1181100"/>
           </a:xfrm>
           <a:prstGeom prst="rect">
             <a:avLst/>
@@ -8716,7 +8716,7 @@
                                           </p:stCondLst>
                                         </p:cTn>
                                         <p:tgtEl>
-                                          <p:spTgt spid="11"/>
+                                          <p:spTgt spid="5"/>
                                         </p:tgtEl>
                                         <p:attrNameLst>
                                           <p:attrName>style.visibility</p:attrName>
@@ -13910,7 +13910,7 @@
             <a:pPr>
               <a:buFont typeface="Arial" panose="020B0604020202020204" pitchFamily="34" charset="0"/>
             </a:pPr>
-            <a:endParaRPr lang="en-US" altLang="zh-CN"/>
+            <a:endParaRPr lang="en-US" altLang="zh-CN" dirty="0"/>
           </a:p>
         </p:txBody>
       </p:sp>
@@ -14031,16 +14031,6 @@
         <p:txBody>
           <a:bodyPr/>
           <a:lstStyle/>
-          <a:p>
-            <a:pPr marL="285750" indent="-285750">
-              <a:buFont typeface="Arial" panose="020B0604020202020204" pitchFamily="34" charset="0"/>
-              <a:buChar char="•"/>
-            </a:pPr>
-            <a:r>
-              <a:rPr lang="zh-CN" altLang="en-US" dirty="0"/>
-              <a:t>什么是向量？</a:t>
-            </a:r>
-          </a:p>
           <a:p>
             <a:pPr marL="285750" indent="-285750">
               <a:buFont typeface="Arial" panose="020B0604020202020204" pitchFamily="34" charset="0"/>
@@ -14144,55 +14134,6 @@
                                           <p:spTgt spid="2">
                                             <p:txEl>
                                               <p:pRg st="0" end="0"/>
-                                            </p:txEl>
-                                          </p:spTgt>
-                                        </p:tgtEl>
-                                        <p:attrNameLst>
-                                          <p:attrName>style.visibility</p:attrName>
-                                        </p:attrNameLst>
-                                      </p:cBhvr>
-                                      <p:to>
-                                        <p:strVal val="visible"/>
-                                      </p:to>
-                                    </p:set>
-                                  </p:childTnLst>
-                                </p:cTn>
-                              </p:par>
-                            </p:childTnLst>
-                          </p:cTn>
-                        </p:par>
-                      </p:childTnLst>
-                    </p:cTn>
-                  </p:par>
-                  <p:par>
-                    <p:cTn id="7" fill="hold">
-                      <p:stCondLst>
-                        <p:cond delay="indefinite"/>
-                      </p:stCondLst>
-                      <p:childTnLst>
-                        <p:par>
-                          <p:cTn id="8" fill="hold">
-                            <p:stCondLst>
-                              <p:cond delay="0"/>
-                            </p:stCondLst>
-                            <p:childTnLst>
-                              <p:par>
-                                <p:cTn id="9" presetID="1" presetClass="entr" presetSubtype="0" fill="hold" grpId="0" nodeType="clickEffect">
-                                  <p:stCondLst>
-                                    <p:cond delay="0"/>
-                                  </p:stCondLst>
-                                  <p:childTnLst>
-                                    <p:set>
-                                      <p:cBhvr>
-                                        <p:cTn id="10" dur="1" fill="hold">
-                                          <p:stCondLst>
-                                            <p:cond delay="0"/>
-                                          </p:stCondLst>
-                                        </p:cTn>
-                                        <p:tgtEl>
-                                          <p:spTgt spid="2">
-                                            <p:txEl>
-                                              <p:pRg st="1" end="1"/>
                                             </p:txEl>
                                           </p:spTgt>
                                         </p:tgtEl>
